--- a/Poster.pptx
+++ b/Poster.pptx
@@ -107,6 +107,11 @@
       </a:defRPr>
     </a:lvl9pPr>
   </p:defaultTextStyle>
+  <p:extLst>
+    <p:ext uri="{EFAFB233-063F-42B5-8137-9DF3F51BA10A}">
+      <p15:sldGuideLst xmlns:p15="http://schemas.microsoft.com/office/powerpoint/2012/main"/>
+    </p:ext>
+  </p:extLst>
 </p:presentation>
 </file>
 
@@ -259,7 +264,7 @@
           <a:p>
             <a:fld id="{2B7BBAC9-3BA4-45A6-93EF-47EE8C3C7A21}" type="datetimeFigureOut">
               <a:rPr lang="en-SG" smtClean="0"/>
-              <a:t>26/3/2019</a:t>
+              <a:t>27/3/2019</a:t>
             </a:fld>
             <a:endParaRPr lang="en-SG"/>
           </a:p>
@@ -459,7 +464,7 @@
           <a:p>
             <a:fld id="{2B7BBAC9-3BA4-45A6-93EF-47EE8C3C7A21}" type="datetimeFigureOut">
               <a:rPr lang="en-SG" smtClean="0"/>
-              <a:t>26/3/2019</a:t>
+              <a:t>27/3/2019</a:t>
             </a:fld>
             <a:endParaRPr lang="en-SG"/>
           </a:p>
@@ -669,7 +674,7 @@
           <a:p>
             <a:fld id="{2B7BBAC9-3BA4-45A6-93EF-47EE8C3C7A21}" type="datetimeFigureOut">
               <a:rPr lang="en-SG" smtClean="0"/>
-              <a:t>26/3/2019</a:t>
+              <a:t>27/3/2019</a:t>
             </a:fld>
             <a:endParaRPr lang="en-SG"/>
           </a:p>
@@ -869,7 +874,7 @@
           <a:p>
             <a:fld id="{2B7BBAC9-3BA4-45A6-93EF-47EE8C3C7A21}" type="datetimeFigureOut">
               <a:rPr lang="en-SG" smtClean="0"/>
-              <a:t>26/3/2019</a:t>
+              <a:t>27/3/2019</a:t>
             </a:fld>
             <a:endParaRPr lang="en-SG"/>
           </a:p>
@@ -1145,7 +1150,7 @@
           <a:p>
             <a:fld id="{2B7BBAC9-3BA4-45A6-93EF-47EE8C3C7A21}" type="datetimeFigureOut">
               <a:rPr lang="en-SG" smtClean="0"/>
-              <a:t>26/3/2019</a:t>
+              <a:t>27/3/2019</a:t>
             </a:fld>
             <a:endParaRPr lang="en-SG"/>
           </a:p>
@@ -1413,7 +1418,7 @@
           <a:p>
             <a:fld id="{2B7BBAC9-3BA4-45A6-93EF-47EE8C3C7A21}" type="datetimeFigureOut">
               <a:rPr lang="en-SG" smtClean="0"/>
-              <a:t>26/3/2019</a:t>
+              <a:t>27/3/2019</a:t>
             </a:fld>
             <a:endParaRPr lang="en-SG"/>
           </a:p>
@@ -1828,7 +1833,7 @@
           <a:p>
             <a:fld id="{2B7BBAC9-3BA4-45A6-93EF-47EE8C3C7A21}" type="datetimeFigureOut">
               <a:rPr lang="en-SG" smtClean="0"/>
-              <a:t>26/3/2019</a:t>
+              <a:t>27/3/2019</a:t>
             </a:fld>
             <a:endParaRPr lang="en-SG"/>
           </a:p>
@@ -1970,7 +1975,7 @@
           <a:p>
             <a:fld id="{2B7BBAC9-3BA4-45A6-93EF-47EE8C3C7A21}" type="datetimeFigureOut">
               <a:rPr lang="en-SG" smtClean="0"/>
-              <a:t>26/3/2019</a:t>
+              <a:t>27/3/2019</a:t>
             </a:fld>
             <a:endParaRPr lang="en-SG"/>
           </a:p>
@@ -2083,7 +2088,7 @@
           <a:p>
             <a:fld id="{2B7BBAC9-3BA4-45A6-93EF-47EE8C3C7A21}" type="datetimeFigureOut">
               <a:rPr lang="en-SG" smtClean="0"/>
-              <a:t>26/3/2019</a:t>
+              <a:t>27/3/2019</a:t>
             </a:fld>
             <a:endParaRPr lang="en-SG"/>
           </a:p>
@@ -2396,7 +2401,7 @@
           <a:p>
             <a:fld id="{2B7BBAC9-3BA4-45A6-93EF-47EE8C3C7A21}" type="datetimeFigureOut">
               <a:rPr lang="en-SG" smtClean="0"/>
-              <a:t>26/3/2019</a:t>
+              <a:t>27/3/2019</a:t>
             </a:fld>
             <a:endParaRPr lang="en-SG"/>
           </a:p>
@@ -2685,7 +2690,7 @@
           <a:p>
             <a:fld id="{2B7BBAC9-3BA4-45A6-93EF-47EE8C3C7A21}" type="datetimeFigureOut">
               <a:rPr lang="en-SG" smtClean="0"/>
-              <a:t>26/3/2019</a:t>
+              <a:t>27/3/2019</a:t>
             </a:fld>
             <a:endParaRPr lang="en-SG"/>
           </a:p>
@@ -2928,7 +2933,7 @@
           <a:p>
             <a:fld id="{2B7BBAC9-3BA4-45A6-93EF-47EE8C3C7A21}" type="datetimeFigureOut">
               <a:rPr lang="en-SG" smtClean="0"/>
-              <a:t>26/3/2019</a:t>
+              <a:t>27/3/2019</a:t>
             </a:fld>
             <a:endParaRPr lang="en-SG"/>
           </a:p>
@@ -3528,6 +3533,72 @@
           </a:p>
         </p:txBody>
       </p:sp>
+      <p:sp>
+        <p:nvSpPr>
+          <p:cNvPr id="3" name="TextBox 2">
+            <a:extLst>
+              <a:ext uri="{FF2B5EF4-FFF2-40B4-BE49-F238E27FC236}">
+                <a16:creationId xmlns:a16="http://schemas.microsoft.com/office/drawing/2014/main" id="{EF2E4D38-7E61-4084-BD6E-17A6DBE61A43}"/>
+              </a:ext>
+            </a:extLst>
+          </p:cNvPr>
+          <p:cNvSpPr txBox="1"/>
+          <p:nvPr/>
+        </p:nvSpPr>
+        <p:spPr>
+          <a:xfrm>
+            <a:off x="1001110" y="2514600"/>
+            <a:ext cx="9869214" cy="2031325"/>
+          </a:xfrm>
+          <a:prstGeom prst="rect">
+            <a:avLst/>
+          </a:prstGeom>
+          <a:noFill/>
+        </p:spPr>
+        <p:txBody>
+          <a:bodyPr wrap="square" rtlCol="0">
+            <a:spAutoFit/>
+          </a:bodyPr>
+          <a:lstStyle/>
+          <a:p>
+            <a:pPr marL="285750" indent="-285750">
+              <a:buFontTx/>
+              <a:buChar char="-"/>
+            </a:pPr>
+            <a:r>
+              <a:rPr lang="en-SG" dirty="0"/>
+              <a:t>Regular weekly updates to the COO allowed for COO to be able to better grasp the issues faced and resolutions that the team has implemented.</a:t>
+            </a:r>
+          </a:p>
+          <a:p>
+            <a:pPr marL="285750" indent="-285750">
+              <a:buFontTx/>
+              <a:buChar char="-"/>
+            </a:pPr>
+            <a:r>
+              <a:rPr lang="en-SG" dirty="0"/>
+              <a:t>Multiple monitoring tools used with good selection of data allows for intuitive grasp of the performance of the team</a:t>
+            </a:r>
+          </a:p>
+          <a:p>
+            <a:pPr marL="285750" indent="-285750">
+              <a:buFontTx/>
+              <a:buChar char="-"/>
+            </a:pPr>
+            <a:r>
+              <a:rPr lang="en-SG" dirty="0"/>
+              <a:t>Assisted in growing the knowledge base so that future incidents can be better handled if it has been faced before</a:t>
+            </a:r>
+          </a:p>
+          <a:p>
+            <a:pPr marL="285750" indent="-285750">
+              <a:buFontTx/>
+              <a:buChar char="-"/>
+            </a:pPr>
+            <a:endParaRPr lang="en-SG" dirty="0"/>
+          </a:p>
+        </p:txBody>
+      </p:sp>
     </p:spTree>
     <p:extLst>
       <p:ext uri="{BB962C8B-B14F-4D97-AF65-F5344CB8AC3E}">
@@ -3609,6 +3680,14 @@
           <a:bodyPr/>
           <a:lstStyle/>
           <a:p>
+            <a:r>
+              <a:rPr lang="en-SG" dirty="0"/>
+              <a:t>(my) This course really allowed for me to appreciate the difficulties faced in managing any IT solution. Previously having learnt different ways of creating web applications such as through PHP or Flask, I would have never seen how difficult it was to actually deploy the web application and to manage it. Having been placed in this role as enablers of the IT solution, I realize that the role of the maintenance team is just as important, if not more important, than </a:t>
+            </a:r>
+            <a:r>
+              <a:rPr lang="en-SG"/>
+              <a:t>the developers. </a:t>
+            </a:r>
             <a:endParaRPr lang="en-SG" dirty="0"/>
           </a:p>
         </p:txBody>

--- a/Poster.pptx
+++ b/Poster.pptx
@@ -264,7 +264,7 @@
           <a:p>
             <a:fld id="{2B7BBAC9-3BA4-45A6-93EF-47EE8C3C7A21}" type="datetimeFigureOut">
               <a:rPr lang="en-SG" smtClean="0"/>
-              <a:t>27/3/2019</a:t>
+              <a:t>28/3/2019</a:t>
             </a:fld>
             <a:endParaRPr lang="en-SG"/>
           </a:p>
@@ -464,7 +464,7 @@
           <a:p>
             <a:fld id="{2B7BBAC9-3BA4-45A6-93EF-47EE8C3C7A21}" type="datetimeFigureOut">
               <a:rPr lang="en-SG" smtClean="0"/>
-              <a:t>27/3/2019</a:t>
+              <a:t>28/3/2019</a:t>
             </a:fld>
             <a:endParaRPr lang="en-SG"/>
           </a:p>
@@ -674,7 +674,7 @@
           <a:p>
             <a:fld id="{2B7BBAC9-3BA4-45A6-93EF-47EE8C3C7A21}" type="datetimeFigureOut">
               <a:rPr lang="en-SG" smtClean="0"/>
-              <a:t>27/3/2019</a:t>
+              <a:t>28/3/2019</a:t>
             </a:fld>
             <a:endParaRPr lang="en-SG"/>
           </a:p>
@@ -874,7 +874,7 @@
           <a:p>
             <a:fld id="{2B7BBAC9-3BA4-45A6-93EF-47EE8C3C7A21}" type="datetimeFigureOut">
               <a:rPr lang="en-SG" smtClean="0"/>
-              <a:t>27/3/2019</a:t>
+              <a:t>28/3/2019</a:t>
             </a:fld>
             <a:endParaRPr lang="en-SG"/>
           </a:p>
@@ -1150,7 +1150,7 @@
           <a:p>
             <a:fld id="{2B7BBAC9-3BA4-45A6-93EF-47EE8C3C7A21}" type="datetimeFigureOut">
               <a:rPr lang="en-SG" smtClean="0"/>
-              <a:t>27/3/2019</a:t>
+              <a:t>28/3/2019</a:t>
             </a:fld>
             <a:endParaRPr lang="en-SG"/>
           </a:p>
@@ -1418,7 +1418,7 @@
           <a:p>
             <a:fld id="{2B7BBAC9-3BA4-45A6-93EF-47EE8C3C7A21}" type="datetimeFigureOut">
               <a:rPr lang="en-SG" smtClean="0"/>
-              <a:t>27/3/2019</a:t>
+              <a:t>28/3/2019</a:t>
             </a:fld>
             <a:endParaRPr lang="en-SG"/>
           </a:p>
@@ -1833,7 +1833,7 @@
           <a:p>
             <a:fld id="{2B7BBAC9-3BA4-45A6-93EF-47EE8C3C7A21}" type="datetimeFigureOut">
               <a:rPr lang="en-SG" smtClean="0"/>
-              <a:t>27/3/2019</a:t>
+              <a:t>28/3/2019</a:t>
             </a:fld>
             <a:endParaRPr lang="en-SG"/>
           </a:p>
@@ -1975,7 +1975,7 @@
           <a:p>
             <a:fld id="{2B7BBAC9-3BA4-45A6-93EF-47EE8C3C7A21}" type="datetimeFigureOut">
               <a:rPr lang="en-SG" smtClean="0"/>
-              <a:t>27/3/2019</a:t>
+              <a:t>28/3/2019</a:t>
             </a:fld>
             <a:endParaRPr lang="en-SG"/>
           </a:p>
@@ -2088,7 +2088,7 @@
           <a:p>
             <a:fld id="{2B7BBAC9-3BA4-45A6-93EF-47EE8C3C7A21}" type="datetimeFigureOut">
               <a:rPr lang="en-SG" smtClean="0"/>
-              <a:t>27/3/2019</a:t>
+              <a:t>28/3/2019</a:t>
             </a:fld>
             <a:endParaRPr lang="en-SG"/>
           </a:p>
@@ -2401,7 +2401,7 @@
           <a:p>
             <a:fld id="{2B7BBAC9-3BA4-45A6-93EF-47EE8C3C7A21}" type="datetimeFigureOut">
               <a:rPr lang="en-SG" smtClean="0"/>
-              <a:t>27/3/2019</a:t>
+              <a:t>28/3/2019</a:t>
             </a:fld>
             <a:endParaRPr lang="en-SG"/>
           </a:p>
@@ -2690,7 +2690,7 @@
           <a:p>
             <a:fld id="{2B7BBAC9-3BA4-45A6-93EF-47EE8C3C7A21}" type="datetimeFigureOut">
               <a:rPr lang="en-SG" smtClean="0"/>
-              <a:t>27/3/2019</a:t>
+              <a:t>28/3/2019</a:t>
             </a:fld>
             <a:endParaRPr lang="en-SG"/>
           </a:p>
@@ -2933,7 +2933,7 @@
           <a:p>
             <a:fld id="{2B7BBAC9-3BA4-45A6-93EF-47EE8C3C7A21}" type="datetimeFigureOut">
               <a:rPr lang="en-SG" smtClean="0"/>
-              <a:t>27/3/2019</a:t>
+              <a:t>28/3/2019</a:t>
             </a:fld>
             <a:endParaRPr lang="en-SG"/>
           </a:p>
@@ -3682,11 +3682,11 @@
           <a:p>
             <a:r>
               <a:rPr lang="en-SG" dirty="0"/>
-              <a:t>(my) This course really allowed for me to appreciate the difficulties faced in managing any IT solution. Previously having learnt different ways of creating web applications such as through PHP or Flask, I would have never seen how difficult it was to actually deploy the web application and to manage it. Having been placed in this role as enablers of the IT solution, I realize that the role of the maintenance team is just as important, if not more important, than </a:t>
+              <a:t>(my) This course really allowed for me to appreciate the difficulties faced in managing any IT solution. Previously having learnt different ways of creating web applications such as through PHP or Flask, I would have never seen how difficult it was to actually deploy the web application and to manage it. I am grateful to the ESM team for guiding us along our IT journey, and while it may not have been always smooth sailing for us, at least we are not lost out in </a:t>
             </a:r>
             <a:r>
               <a:rPr lang="en-SG"/>
-              <a:t>the developers. </a:t>
+              <a:t>the world of IT.  </a:t>
             </a:r>
             <a:endParaRPr lang="en-SG" dirty="0"/>
           </a:p>
